--- a/Belysa - Pitch.pptx
+++ b/Belysa - Pitch.pptx
@@ -30,6 +30,10 @@
     <p:embeddedFont>
       <p:font typeface="Black Mango" charset="1" panose="02020A03060303060403"/>
       <p:regular r:id="rId21"/>
+    </p:embeddedFont>
+    <p:embeddedFont>
+      <p:font typeface="Black Mango Bold" charset="1" panose="02020A03060303060403"/>
+      <p:regular r:id="rId22"/>
     </p:embeddedFont>
   </p:embeddedFontLst>
   <p:defaultTextStyle>
@@ -5135,86 +5139,7 @@
       </p:sp>
       <p:sp>
         <p:nvSpPr>
-          <p:cNvPr name="TextBox 3" id="3"/>
-          <p:cNvSpPr txBox="true"/>
-          <p:nvPr/>
-        </p:nvSpPr>
-        <p:spPr>
-          <a:xfrm rot="0">
-            <a:off x="771525" y="2974340"/>
-            <a:ext cx="16744950" cy="3765550"/>
-          </a:xfrm>
-          <a:prstGeom prst="rect">
-            <a:avLst/>
-          </a:prstGeom>
-        </p:spPr>
-        <p:txBody>
-          <a:bodyPr anchor="t" rtlCol="false" tIns="0" lIns="0" bIns="0" rIns="0">
-            <a:spAutoFit/>
-          </a:bodyPr>
-          <a:lstStyle/>
-          <a:p>
-            <a:pPr algn="ctr" marL="0" indent="0" lvl="0">
-              <a:lnSpc>
-                <a:spcPts val="30799"/>
-              </a:lnSpc>
-              <a:spcBef>
-                <a:spcPct val="0"/>
-              </a:spcBef>
-            </a:pPr>
-            <a:r>
-              <a:rPr lang="en-US" sz="21999" u="none">
-                <a:solidFill>
-                  <a:srgbClr val="FFFFFF"/>
-                </a:solidFill>
-                <a:latin typeface="Black Mango Semi-Bold"/>
-              </a:rPr>
-              <a:t>Obrigada!</a:t>
-            </a:r>
-          </a:p>
-        </p:txBody>
-      </p:sp>
-      <p:sp>
-        <p:nvSpPr>
-          <p:cNvPr name="TextBox 4" id="4"/>
-          <p:cNvSpPr txBox="true"/>
-          <p:nvPr/>
-        </p:nvSpPr>
-        <p:spPr>
-          <a:xfrm rot="0">
-            <a:off x="3449806" y="2079667"/>
-            <a:ext cx="11388388" cy="565150"/>
-          </a:xfrm>
-          <a:prstGeom prst="rect">
-            <a:avLst/>
-          </a:prstGeom>
-        </p:spPr>
-        <p:txBody>
-          <a:bodyPr anchor="t" rtlCol="false" tIns="0" lIns="0" bIns="0" rIns="0">
-            <a:spAutoFit/>
-          </a:bodyPr>
-          <a:lstStyle/>
-          <a:p>
-            <a:pPr algn="ctr">
-              <a:lnSpc>
-                <a:spcPts val="4399"/>
-              </a:lnSpc>
-            </a:pPr>
-            <a:r>
-              <a:rPr lang="en-US" sz="3999">
-                <a:solidFill>
-                  <a:srgbClr val="FFFFFF"/>
-                </a:solidFill>
-                <a:latin typeface="Black Mango Semi-Bold"/>
-              </a:rPr>
-              <a:t>Belysa</a:t>
-            </a:r>
-          </a:p>
-        </p:txBody>
-      </p:sp>
-      <p:sp>
-        <p:nvSpPr>
-          <p:cNvPr name="Freeform 5" id="5"/>
+          <p:cNvPr name="Freeform 3" id="3"/>
           <p:cNvSpPr/>
           <p:nvPr/>
         </p:nvSpPr>
@@ -5266,7 +5191,48 @@
       </p:sp>
       <p:sp>
         <p:nvSpPr>
-          <p:cNvPr name="Freeform 6" id="6"/>
+          <p:cNvPr name="TextBox 4" id="4"/>
+          <p:cNvSpPr txBox="true"/>
+          <p:nvPr/>
+        </p:nvSpPr>
+        <p:spPr>
+          <a:xfrm rot="0">
+            <a:off x="2915347" y="1332682"/>
+            <a:ext cx="12896880" cy="2901270"/>
+          </a:xfrm>
+          <a:prstGeom prst="rect">
+            <a:avLst/>
+          </a:prstGeom>
+        </p:spPr>
+        <p:txBody>
+          <a:bodyPr anchor="t" rtlCol="false" tIns="0" lIns="0" bIns="0" rIns="0">
+            <a:spAutoFit/>
+          </a:bodyPr>
+          <a:lstStyle/>
+          <a:p>
+            <a:pPr algn="ctr" marL="0" indent="0" lvl="0">
+              <a:lnSpc>
+                <a:spcPts val="23722"/>
+              </a:lnSpc>
+              <a:spcBef>
+                <a:spcPct val="0"/>
+              </a:spcBef>
+            </a:pPr>
+            <a:r>
+              <a:rPr lang="en-US" sz="16944" u="none">
+                <a:solidFill>
+                  <a:srgbClr val="FFFFFF"/>
+                </a:solidFill>
+                <a:latin typeface="Black Mango Semi-Bold"/>
+              </a:rPr>
+              <a:t>Obrigada!</a:t>
+            </a:r>
+          </a:p>
+        </p:txBody>
+      </p:sp>
+      <p:sp>
+        <p:nvSpPr>
+          <p:cNvPr name="Freeform 5" id="5"/>
           <p:cNvSpPr/>
           <p:nvPr/>
         </p:nvSpPr>
@@ -5318,7 +5284,7 @@
       </p:sp>
       <p:sp>
         <p:nvSpPr>
-          <p:cNvPr name="Freeform 7" id="7"/>
+          <p:cNvPr name="Freeform 6" id="6"/>
           <p:cNvSpPr/>
           <p:nvPr/>
         </p:nvSpPr>
@@ -5367,6 +5333,113 @@
             </a:stretch>
           </a:blipFill>
         </p:spPr>
+      </p:sp>
+      <p:grpSp>
+        <p:nvGrpSpPr>
+          <p:cNvPr name="Group 7" id="7"/>
+          <p:cNvGrpSpPr/>
+          <p:nvPr/>
+        </p:nvGrpSpPr>
+        <p:grpSpPr>
+          <a:xfrm rot="0">
+            <a:off x="11628316" y="4233952"/>
+            <a:ext cx="7044668" cy="7044668"/>
+            <a:chOff x="0" y="0"/>
+            <a:chExt cx="812800" cy="812800"/>
+          </a:xfrm>
+        </p:grpSpPr>
+        <p:sp>
+          <p:nvSpPr>
+            <p:cNvPr name="Freeform 8" id="8"/>
+            <p:cNvSpPr/>
+            <p:nvPr/>
+          </p:nvSpPr>
+          <p:spPr>
+            <a:xfrm flipH="false" flipV="false" rot="0">
+              <a:off x="0" y="0"/>
+              <a:ext cx="812800" cy="812800"/>
+            </a:xfrm>
+            <a:custGeom>
+              <a:avLst/>
+              <a:gdLst/>
+              <a:ahLst/>
+              <a:cxnLst/>
+              <a:rect r="r" b="b" t="t" l="l"/>
+              <a:pathLst>
+                <a:path h="812800" w="812800">
+                  <a:moveTo>
+                    <a:pt x="406400" y="0"/>
+                  </a:moveTo>
+                  <a:cubicBezTo>
+                    <a:pt x="181951" y="0"/>
+                    <a:pt x="0" y="181951"/>
+                    <a:pt x="0" y="406400"/>
+                  </a:cubicBezTo>
+                  <a:cubicBezTo>
+                    <a:pt x="0" y="630849"/>
+                    <a:pt x="181951" y="812800"/>
+                    <a:pt x="406400" y="812800"/>
+                  </a:cubicBezTo>
+                  <a:cubicBezTo>
+                    <a:pt x="630849" y="812800"/>
+                    <a:pt x="812800" y="630849"/>
+                    <a:pt x="812800" y="406400"/>
+                  </a:cubicBezTo>
+                  <a:cubicBezTo>
+                    <a:pt x="812800" y="181951"/>
+                    <a:pt x="630849" y="0"/>
+                    <a:pt x="406400" y="0"/>
+                  </a:cubicBezTo>
+                  <a:close/>
+                </a:path>
+              </a:pathLst>
+            </a:custGeom>
+            <a:blipFill>
+              <a:blip r:embed="rId7"/>
+              <a:stretch>
+                <a:fillRect l="0" t="-40771" r="0" b="-75810"/>
+              </a:stretch>
+            </a:blipFill>
+          </p:spPr>
+        </p:sp>
+      </p:grpSp>
+      <p:sp>
+        <p:nvSpPr>
+          <p:cNvPr name="TextBox 9" id="9"/>
+          <p:cNvSpPr txBox="true"/>
+          <p:nvPr/>
+        </p:nvSpPr>
+        <p:spPr>
+          <a:xfrm rot="0">
+            <a:off x="6468169" y="9043352"/>
+            <a:ext cx="5351661" cy="389256"/>
+          </a:xfrm>
+          <a:prstGeom prst="rect">
+            <a:avLst/>
+          </a:prstGeom>
+        </p:spPr>
+        <p:txBody>
+          <a:bodyPr anchor="t" rtlCol="false" tIns="0" lIns="0" bIns="0" rIns="0">
+            <a:spAutoFit/>
+          </a:bodyPr>
+          <a:lstStyle/>
+          <a:p>
+            <a:pPr algn="ctr">
+              <a:lnSpc>
+                <a:spcPts val="3219"/>
+              </a:lnSpc>
+            </a:pPr>
+            <a:r>
+              <a:rPr lang="en-US" sz="2299">
+                <a:solidFill>
+                  <a:srgbClr val="FFFFFF"/>
+                </a:solidFill>
+                <a:latin typeface="Black Mango Bold"/>
+              </a:rPr>
+              <a:t>Cristiana, Karelia, Lucimara e Thaís</a:t>
+            </a:r>
+          </a:p>
+        </p:txBody>
       </p:sp>
     </p:spTree>
   </p:cSld>
@@ -8330,8 +8403,8 @@
         </p:nvSpPr>
         <p:spPr>
           <a:xfrm flipH="false" flipV="false" rot="0">
-            <a:off x="1743936" y="1458435"/>
-            <a:ext cx="3486273" cy="7548944"/>
+            <a:off x="1121493" y="1059870"/>
+            <a:ext cx="3786221" cy="8198430"/>
           </a:xfrm>
           <a:custGeom>
             <a:avLst/>
@@ -8340,18 +8413,18 @@
             <a:cxnLst/>
             <a:rect r="r" b="b" t="t" l="l"/>
             <a:pathLst>
-              <a:path h="7548944" w="3486273">
+              <a:path h="8198430" w="3786221">
                 <a:moveTo>
                   <a:pt x="0" y="0"/>
                 </a:moveTo>
                 <a:lnTo>
-                  <a:pt x="3486273" y="0"/>
-                </a:lnTo>
-                <a:lnTo>
-                  <a:pt x="3486273" y="7548944"/>
-                </a:lnTo>
-                <a:lnTo>
-                  <a:pt x="0" y="7548944"/>
+                  <a:pt x="3786221" y="0"/>
+                </a:lnTo>
+                <a:lnTo>
+                  <a:pt x="3786221" y="8198430"/>
+                </a:lnTo>
+                <a:lnTo>
+                  <a:pt x="0" y="8198430"/>
                 </a:lnTo>
                 <a:lnTo>
                   <a:pt x="0" y="0"/>
@@ -8376,8 +8449,8 @@
         </p:nvSpPr>
         <p:spPr>
           <a:xfrm flipH="false" flipV="false" rot="0">
-            <a:off x="5380175" y="1458435"/>
-            <a:ext cx="3486273" cy="7548944"/>
+            <a:off x="5070583" y="1059870"/>
+            <a:ext cx="3786221" cy="8198430"/>
           </a:xfrm>
           <a:custGeom>
             <a:avLst/>
@@ -8386,18 +8459,18 @@
             <a:cxnLst/>
             <a:rect r="r" b="b" t="t" l="l"/>
             <a:pathLst>
-              <a:path h="7548944" w="3486273">
+              <a:path h="8198430" w="3786221">
                 <a:moveTo>
                   <a:pt x="0" y="0"/>
                 </a:moveTo>
                 <a:lnTo>
-                  <a:pt x="3486274" y="0"/>
-                </a:lnTo>
-                <a:lnTo>
-                  <a:pt x="3486274" y="7548944"/>
-                </a:lnTo>
-                <a:lnTo>
-                  <a:pt x="0" y="7548944"/>
+                  <a:pt x="3786221" y="0"/>
+                </a:lnTo>
+                <a:lnTo>
+                  <a:pt x="3786221" y="8198430"/>
+                </a:lnTo>
+                <a:lnTo>
+                  <a:pt x="0" y="8198430"/>
                 </a:lnTo>
                 <a:lnTo>
                   <a:pt x="0" y="0"/>
@@ -8422,8 +8495,8 @@
         </p:nvSpPr>
         <p:spPr>
           <a:xfrm flipH="false" flipV="false" rot="0">
-            <a:off x="9024739" y="1458435"/>
-            <a:ext cx="3486273" cy="7548944"/>
+            <a:off x="9028713" y="1059870"/>
+            <a:ext cx="3786221" cy="8198430"/>
           </a:xfrm>
           <a:custGeom>
             <a:avLst/>
@@ -8432,18 +8505,18 @@
             <a:cxnLst/>
             <a:rect r="r" b="b" t="t" l="l"/>
             <a:pathLst>
-              <a:path h="7548944" w="3486273">
+              <a:path h="8198430" w="3786221">
                 <a:moveTo>
                   <a:pt x="0" y="0"/>
                 </a:moveTo>
                 <a:lnTo>
-                  <a:pt x="3486273" y="0"/>
-                </a:lnTo>
-                <a:lnTo>
-                  <a:pt x="3486273" y="7548944"/>
-                </a:lnTo>
-                <a:lnTo>
-                  <a:pt x="0" y="7548944"/>
+                  <a:pt x="3786221" y="0"/>
+                </a:lnTo>
+                <a:lnTo>
+                  <a:pt x="3786221" y="8198430"/>
+                </a:lnTo>
+                <a:lnTo>
+                  <a:pt x="0" y="8198430"/>
                 </a:lnTo>
                 <a:lnTo>
                   <a:pt x="0" y="0"/>
@@ -8468,8 +8541,8 @@
         </p:nvSpPr>
         <p:spPr>
           <a:xfrm flipH="false" flipV="false" rot="0">
-            <a:off x="12668842" y="1458435"/>
-            <a:ext cx="3486273" cy="7548944"/>
+            <a:off x="12986343" y="1059870"/>
+            <a:ext cx="3786221" cy="8198430"/>
           </a:xfrm>
           <a:custGeom>
             <a:avLst/>
@@ -8478,18 +8551,18 @@
             <a:cxnLst/>
             <a:rect r="r" b="b" t="t" l="l"/>
             <a:pathLst>
-              <a:path h="7548944" w="3486273">
+              <a:path h="8198430" w="3786221">
                 <a:moveTo>
                   <a:pt x="0" y="0"/>
                 </a:moveTo>
                 <a:lnTo>
-                  <a:pt x="3486274" y="0"/>
-                </a:lnTo>
-                <a:lnTo>
-                  <a:pt x="3486274" y="7548944"/>
-                </a:lnTo>
-                <a:lnTo>
-                  <a:pt x="0" y="7548944"/>
+                  <a:pt x="3786221" y="0"/>
+                </a:lnTo>
+                <a:lnTo>
+                  <a:pt x="3786221" y="8198430"/>
+                </a:lnTo>
+                <a:lnTo>
+                  <a:pt x="0" y="8198430"/>
                 </a:lnTo>
                 <a:lnTo>
                   <a:pt x="0" y="0"/>
@@ -8514,8 +8587,8 @@
         </p:nvSpPr>
         <p:spPr>
           <a:xfrm flipH="false" flipV="false" rot="0">
-            <a:off x="11222700" y="7599823"/>
-            <a:ext cx="211109" cy="704206"/>
+            <a:off x="11415779" y="7729642"/>
+            <a:ext cx="229272" cy="764793"/>
           </a:xfrm>
           <a:custGeom>
             <a:avLst/>
@@ -8524,18 +8597,18 @@
             <a:cxnLst/>
             <a:rect r="r" b="b" t="t" l="l"/>
             <a:pathLst>
-              <a:path h="704206" w="211109">
+              <a:path h="764793" w="229272">
                 <a:moveTo>
                   <a:pt x="0" y="0"/>
                 </a:moveTo>
                 <a:lnTo>
-                  <a:pt x="211109" y="0"/>
-                </a:lnTo>
-                <a:lnTo>
-                  <a:pt x="211109" y="704206"/>
-                </a:lnTo>
-                <a:lnTo>
-                  <a:pt x="0" y="704206"/>
+                  <a:pt x="229272" y="0"/>
+                </a:lnTo>
+                <a:lnTo>
+                  <a:pt x="229272" y="764793"/>
+                </a:lnTo>
+                <a:lnTo>
+                  <a:pt x="0" y="764793"/>
                 </a:lnTo>
                 <a:lnTo>
                   <a:pt x="0" y="0"/>
